--- a/Class Slides 2024/Class 4.pptx
+++ b/Class Slides 2024/Class 4.pptx
@@ -9,12 +9,12 @@
   </p:notesMasterIdLst>
   <p:sldIdLst>
     <p:sldId id="256" r:id="rId2"/>
-    <p:sldId id="266" r:id="rId3"/>
-    <p:sldId id="269" r:id="rId4"/>
-    <p:sldId id="271" r:id="rId5"/>
-    <p:sldId id="273" r:id="rId6"/>
-    <p:sldId id="274" r:id="rId7"/>
-    <p:sldId id="275" r:id="rId8"/>
+    <p:sldId id="276" r:id="rId3"/>
+    <p:sldId id="277" r:id="rId4"/>
+    <p:sldId id="269" r:id="rId5"/>
+    <p:sldId id="271" r:id="rId6"/>
+    <p:sldId id="273" r:id="rId7"/>
+    <p:sldId id="274" r:id="rId8"/>
     <p:sldId id="267" r:id="rId9"/>
     <p:sldId id="272" r:id="rId10"/>
   </p:sldIdLst>
@@ -205,7 +205,7 @@
           <a:p>
             <a:fld id="{FA4EA16B-8232-4AFF-9054-CAD58D60828E}" type="datetimeFigureOut">
               <a:rPr lang="en-US" smtClean="0"/>
-              <a:t>1/3/2024</a:t>
+              <a:t>1/9/2024</a:t>
             </a:fld>
             <a:endParaRPr lang="en-US"/>
           </a:p>
@@ -472,94 +472,6 @@
 </p:notesMaster>
 </file>
 
-<file path=ppt/notesSlides/notesSlide1.xml><?xml version="1.0" encoding="utf-8"?>
-<p:notes xmlns:a="http://schemas.openxmlformats.org/drawingml/2006/main" xmlns:r="http://schemas.openxmlformats.org/officeDocument/2006/relationships" xmlns:p="http://schemas.openxmlformats.org/presentationml/2006/main">
-  <p:cSld>
-    <p:spTree>
-      <p:nvGrpSpPr>
-        <p:cNvPr id="1" name=""/>
-        <p:cNvGrpSpPr/>
-        <p:nvPr/>
-      </p:nvGrpSpPr>
-      <p:grpSpPr>
-        <a:xfrm>
-          <a:off x="0" y="0"/>
-          <a:ext cx="0" cy="0"/>
-          <a:chOff x="0" y="0"/>
-          <a:chExt cx="0" cy="0"/>
-        </a:xfrm>
-      </p:grpSpPr>
-      <p:sp>
-        <p:nvSpPr>
-          <p:cNvPr id="18434" name="Rectangle 7"/>
-          <p:cNvSpPr>
-            <a:spLocks noGrp="1" noChangeArrowheads="1"/>
-          </p:cNvSpPr>
-          <p:nvPr>
-            <p:ph type="sldNum" sz="quarter" idx="5"/>
-          </p:nvPr>
-        </p:nvSpPr>
-        <p:spPr>
-          <a:noFill/>
-        </p:spPr>
-        <p:txBody>
-          <a:bodyPr/>
-          <a:lstStyle/>
-          <a:p>
-            <a:fld id="{50D19C12-4DFF-43B1-B212-EEBFA616618C}" type="slidenum">
-              <a:rPr lang="en-US" smtClean="0"/>
-              <a:pPr/>
-              <a:t>2</a:t>
-            </a:fld>
-            <a:endParaRPr lang="en-US"/>
-          </a:p>
-        </p:txBody>
-      </p:sp>
-      <p:sp>
-        <p:nvSpPr>
-          <p:cNvPr id="18435" name="Rectangle 2"/>
-          <p:cNvSpPr>
-            <a:spLocks noGrp="1" noRot="1" noChangeAspect="1" noChangeArrowheads="1" noTextEdit="1"/>
-          </p:cNvSpPr>
-          <p:nvPr>
-            <p:ph type="sldImg"/>
-          </p:nvPr>
-        </p:nvSpPr>
-        <p:spPr>
-          <a:ln/>
-        </p:spPr>
-      </p:sp>
-      <p:sp>
-        <p:nvSpPr>
-          <p:cNvPr id="18436" name="Rectangle 3"/>
-          <p:cNvSpPr>
-            <a:spLocks noGrp="1" noChangeArrowheads="1"/>
-          </p:cNvSpPr>
-          <p:nvPr>
-            <p:ph type="body" idx="1"/>
-          </p:nvPr>
-        </p:nvSpPr>
-        <p:spPr>
-          <a:noFill/>
-          <a:ln/>
-        </p:spPr>
-        <p:txBody>
-          <a:bodyPr/>
-          <a:lstStyle/>
-          <a:p>
-            <a:pPr eaLnBrk="1" hangingPunct="1"/>
-            <a:endParaRPr lang="en-US"/>
-          </a:p>
-        </p:txBody>
-      </p:sp>
-    </p:spTree>
-  </p:cSld>
-  <p:clrMapOvr>
-    <a:masterClrMapping/>
-  </p:clrMapOvr>
-</p:notes>
-</file>
-
 <file path=ppt/slideLayouts/slideLayout1.xml><?xml version="1.0" encoding="utf-8"?>
 <p:sldLayout xmlns:a="http://schemas.openxmlformats.org/drawingml/2006/main" xmlns:r="http://schemas.openxmlformats.org/officeDocument/2006/relationships" xmlns:p="http://schemas.openxmlformats.org/presentationml/2006/main" type="title" preserve="1">
   <p:cSld name="Title Slide">
@@ -707,7 +619,7 @@
           <a:p>
             <a:fld id="{E3E805A2-BC06-40C2-8971-C06E8F9F3E70}" type="datetimeFigureOut">
               <a:rPr lang="en-US" smtClean="0"/>
-              <a:t>1/3/2024</a:t>
+              <a:t>1/9/2024</a:t>
             </a:fld>
             <a:endParaRPr lang="en-US"/>
           </a:p>
@@ -905,7 +817,7 @@
           <a:p>
             <a:fld id="{E3E805A2-BC06-40C2-8971-C06E8F9F3E70}" type="datetimeFigureOut">
               <a:rPr lang="en-US" smtClean="0"/>
-              <a:t>1/3/2024</a:t>
+              <a:t>1/9/2024</a:t>
             </a:fld>
             <a:endParaRPr lang="en-US"/>
           </a:p>
@@ -1113,7 +1025,7 @@
           <a:p>
             <a:fld id="{E3E805A2-BC06-40C2-8971-C06E8F9F3E70}" type="datetimeFigureOut">
               <a:rPr lang="en-US" smtClean="0"/>
-              <a:t>1/3/2024</a:t>
+              <a:t>1/9/2024</a:t>
             </a:fld>
             <a:endParaRPr lang="en-US"/>
           </a:p>
@@ -1311,7 +1223,7 @@
           <a:p>
             <a:fld id="{E3E805A2-BC06-40C2-8971-C06E8F9F3E70}" type="datetimeFigureOut">
               <a:rPr lang="en-US" smtClean="0"/>
-              <a:t>1/3/2024</a:t>
+              <a:t>1/9/2024</a:t>
             </a:fld>
             <a:endParaRPr lang="en-US"/>
           </a:p>
@@ -1586,7 +1498,7 @@
           <a:p>
             <a:fld id="{E3E805A2-BC06-40C2-8971-C06E8F9F3E70}" type="datetimeFigureOut">
               <a:rPr lang="en-US" smtClean="0"/>
-              <a:t>1/3/2024</a:t>
+              <a:t>1/9/2024</a:t>
             </a:fld>
             <a:endParaRPr lang="en-US"/>
           </a:p>
@@ -1851,7 +1763,7 @@
           <a:p>
             <a:fld id="{E3E805A2-BC06-40C2-8971-C06E8F9F3E70}" type="datetimeFigureOut">
               <a:rPr lang="en-US" smtClean="0"/>
-              <a:t>1/3/2024</a:t>
+              <a:t>1/9/2024</a:t>
             </a:fld>
             <a:endParaRPr lang="en-US"/>
           </a:p>
@@ -2263,7 +2175,7 @@
           <a:p>
             <a:fld id="{E3E805A2-BC06-40C2-8971-C06E8F9F3E70}" type="datetimeFigureOut">
               <a:rPr lang="en-US" smtClean="0"/>
-              <a:t>1/3/2024</a:t>
+              <a:t>1/9/2024</a:t>
             </a:fld>
             <a:endParaRPr lang="en-US"/>
           </a:p>
@@ -2404,7 +2316,7 @@
           <a:p>
             <a:fld id="{E3E805A2-BC06-40C2-8971-C06E8F9F3E70}" type="datetimeFigureOut">
               <a:rPr lang="en-US" smtClean="0"/>
-              <a:t>1/3/2024</a:t>
+              <a:t>1/9/2024</a:t>
             </a:fld>
             <a:endParaRPr lang="en-US"/>
           </a:p>
@@ -2517,7 +2429,7 @@
           <a:p>
             <a:fld id="{E3E805A2-BC06-40C2-8971-C06E8F9F3E70}" type="datetimeFigureOut">
               <a:rPr lang="en-US" smtClean="0"/>
-              <a:t>1/3/2024</a:t>
+              <a:t>1/9/2024</a:t>
             </a:fld>
             <a:endParaRPr lang="en-US"/>
           </a:p>
@@ -2828,7 +2740,7 @@
           <a:p>
             <a:fld id="{E3E805A2-BC06-40C2-8971-C06E8F9F3E70}" type="datetimeFigureOut">
               <a:rPr lang="en-US" smtClean="0"/>
-              <a:t>1/3/2024</a:t>
+              <a:t>1/9/2024</a:t>
             </a:fld>
             <a:endParaRPr lang="en-US"/>
           </a:p>
@@ -3116,7 +3028,7 @@
           <a:p>
             <a:fld id="{E3E805A2-BC06-40C2-8971-C06E8F9F3E70}" type="datetimeFigureOut">
               <a:rPr lang="en-US" smtClean="0"/>
-              <a:t>1/3/2024</a:t>
+              <a:t>1/9/2024</a:t>
             </a:fld>
             <a:endParaRPr lang="en-US"/>
           </a:p>
@@ -3357,7 +3269,7 @@
           <a:p>
             <a:fld id="{E3E805A2-BC06-40C2-8971-C06E8F9F3E70}" type="datetimeFigureOut">
               <a:rPr lang="en-US" smtClean="0"/>
-              <a:t>1/3/2024</a:t>
+              <a:t>1/9/2024</a:t>
             </a:fld>
             <a:endParaRPr lang="en-US"/>
           </a:p>
@@ -3891,112 +3803,166 @@
       </p:grpSpPr>
       <p:sp>
         <p:nvSpPr>
-          <p:cNvPr id="3074" name="Text Box 2"/>
-          <p:cNvSpPr txBox="1">
-            <a:spLocks noChangeArrowheads="1"/>
-          </p:cNvSpPr>
-          <p:nvPr/>
-        </p:nvSpPr>
-        <p:spPr bwMode="auto">
-          <a:xfrm>
-            <a:off x="961901" y="716189"/>
-            <a:ext cx="9547761" cy="5201424"/>
-          </a:xfrm>
-          <a:prstGeom prst="rect">
-            <a:avLst/>
-          </a:prstGeom>
-          <a:noFill/>
-          <a:ln w="9525">
-            <a:noFill/>
-            <a:miter lim="800000"/>
-            <a:headEnd/>
-            <a:tailEnd/>
-          </a:ln>
-        </p:spPr>
-        <p:txBody>
-          <a:bodyPr wrap="square">
-            <a:spAutoFit/>
+          <p:cNvPr id="2" name="Title 1">
+            <a:extLst>
+              <a:ext uri="{FF2B5EF4-FFF2-40B4-BE49-F238E27FC236}">
+                <a16:creationId xmlns:a16="http://schemas.microsoft.com/office/drawing/2014/main" id="{16FD1EA1-68CD-9697-72E8-B8521CCD50CF}"/>
+              </a:ext>
+            </a:extLst>
+          </p:cNvPr>
+          <p:cNvSpPr>
+            <a:spLocks noGrp="1"/>
+          </p:cNvSpPr>
+          <p:nvPr>
+            <p:ph type="title"/>
+          </p:nvPr>
+        </p:nvSpPr>
+        <p:spPr/>
+        <p:txBody>
+          <a:bodyPr/>
+          <a:lstStyle/>
+          <a:p>
+            <a:endParaRPr lang="en-US"/>
+          </a:p>
+        </p:txBody>
+      </p:sp>
+      <p:sp>
+        <p:nvSpPr>
+          <p:cNvPr id="3" name="Content Placeholder 2">
+            <a:extLst>
+              <a:ext uri="{FF2B5EF4-FFF2-40B4-BE49-F238E27FC236}">
+                <a16:creationId xmlns:a16="http://schemas.microsoft.com/office/drawing/2014/main" id="{D0CF9BDC-E898-A03D-46EC-702DF40FBCEE}"/>
+              </a:ext>
+            </a:extLst>
+          </p:cNvPr>
+          <p:cNvSpPr>
+            <a:spLocks noGrp="1"/>
+          </p:cNvSpPr>
+          <p:nvPr>
+            <p:ph idx="1"/>
+          </p:nvPr>
+        </p:nvSpPr>
+        <p:spPr/>
+        <p:txBody>
+          <a:bodyPr>
+            <a:normAutofit/>
           </a:bodyPr>
           <a:lstStyle/>
           <a:p>
-            <a:pPr>
-              <a:spcBef>
-                <a:spcPts val="600"/>
-              </a:spcBef>
-            </a:pPr>
-            <a:r>
-              <a:rPr lang="en-US" sz="2400" dirty="0">
-                <a:latin typeface="Times New Roman" pitchFamily="18" charset="0"/>
-                <a:cs typeface="Times New Roman" pitchFamily="18" charset="0"/>
+            <a:pPr algn="l"/>
+            <a:r>
+              <a:rPr lang="en-US" dirty="0">
+                <a:latin typeface="ElsevierGulliver"/>
               </a:rPr>
-              <a:t>In an effort to determine the effects of the drug chlorpromazine on the performance of schizophrenics, two clinical investigators randomly selected 20 acute schizophrenics from a mental hospital population.</a:t>
-            </a:r>
-          </a:p>
-          <a:p>
-            <a:pPr>
-              <a:spcBef>
-                <a:spcPts val="600"/>
-              </a:spcBef>
-            </a:pPr>
-            <a:r>
-              <a:rPr lang="en-US" sz="2400" dirty="0">
-                <a:latin typeface="Times New Roman" pitchFamily="18" charset="0"/>
-                <a:cs typeface="Times New Roman" pitchFamily="18" charset="0"/>
+              <a:t>To examine whether playing aggressive video games led to aggressive behavior, researchers </a:t>
+            </a:r>
+            <a:r>
+              <a:rPr lang="en-US" b="0" i="0" dirty="0">
+                <a:solidFill>
+                  <a:srgbClr val="1F1F1F"/>
+                </a:solidFill>
+                <a:effectLst/>
+                <a:latin typeface="ElsevierGulliver"/>
               </a:rPr>
-              <a:t>The patients were asked to order several stimuli along some dimension, such as ordering eight stimuli by weight.  </a:t>
-            </a:r>
-          </a:p>
-          <a:p>
-            <a:pPr>
-              <a:spcBef>
-                <a:spcPts val="600"/>
-              </a:spcBef>
-            </a:pPr>
-            <a:r>
-              <a:rPr lang="en-US" sz="2400" dirty="0">
-                <a:latin typeface="Times New Roman" pitchFamily="18" charset="0"/>
-                <a:cs typeface="Times New Roman" pitchFamily="18" charset="0"/>
+              <a:t>randomly assigned fourth- and fifth-graders to play an aggressive video game (</a:t>
+            </a:r>
+            <a:r>
+              <a:rPr lang="en-US" b="0" i="1" dirty="0">
+                <a:solidFill>
+                  <a:srgbClr val="1F1F1F"/>
+                </a:solidFill>
+                <a:effectLst/>
+                <a:latin typeface="ElsevierGulliver"/>
               </a:rPr>
-              <a:t>There were several tasks of this sort.  </a:t>
-            </a:r>
-          </a:p>
-          <a:p>
-            <a:pPr>
-              <a:spcBef>
-                <a:spcPts val="600"/>
-              </a:spcBef>
-            </a:pPr>
-            <a:r>
-              <a:rPr lang="en-US" sz="2400" dirty="0">
-                <a:latin typeface="Times New Roman" pitchFamily="18" charset="0"/>
-                <a:cs typeface="Times New Roman" pitchFamily="18" charset="0"/>
+              <a:t>Missile Command</a:t>
+            </a:r>
+            <a:r>
+              <a:rPr lang="en-US" b="0" i="0" dirty="0">
+                <a:solidFill>
+                  <a:srgbClr val="1F1F1F"/>
+                </a:solidFill>
+                <a:effectLst/>
+                <a:latin typeface="ElsevierGulliver"/>
               </a:rPr>
-              <a:t>The investigators used a within-subject design in which all participants first performed the tasks after being injected with a saline solution (placebo) and then performed the tasks again several hours later after being injected with chlorpromazine.  </a:t>
-            </a:r>
-          </a:p>
-          <a:p>
-            <a:pPr>
-              <a:spcBef>
-                <a:spcPts val="600"/>
-              </a:spcBef>
-            </a:pPr>
-            <a:r>
-              <a:rPr lang="en-US" sz="2400" dirty="0">
-                <a:latin typeface="Times New Roman" pitchFamily="18" charset="0"/>
-                <a:cs typeface="Times New Roman" pitchFamily="18" charset="0"/>
+              <a:t>) or a low aggressive game (</a:t>
+            </a:r>
+            <a:r>
+              <a:rPr lang="en-US" b="0" i="1" dirty="0">
+                <a:solidFill>
+                  <a:srgbClr val="1F1F1F"/>
+                </a:solidFill>
+                <a:effectLst/>
+                <a:latin typeface="ElsevierGulliver"/>
               </a:rPr>
-              <a:t>The results indicated that fewer errors were made in the chlorpromazine treatment, which suggested to the investigators that the drug facilitates more adequate cognitive functioning in this type of patient.</a:t>
-            </a:r>
-            <a:r>
-              <a:rPr lang="en-US" sz="2400" dirty="0">
-                <a:latin typeface="Times New Roman" pitchFamily="18" charset="0"/>
+              <a:t>Pac Man) </a:t>
+            </a:r>
+            <a:r>
+              <a:rPr lang="en-US" b="0" dirty="0">
+                <a:solidFill>
+                  <a:srgbClr val="1F1F1F"/>
+                </a:solidFill>
+                <a:effectLst/>
+                <a:latin typeface="ElsevierGulliver"/>
               </a:rPr>
-              <a:t> </a:t>
-            </a:r>
+              <a:t>for 20 minutes</a:t>
+            </a:r>
+            <a:r>
+              <a:rPr lang="en-US" b="0" i="1" dirty="0">
+                <a:solidFill>
+                  <a:srgbClr val="1F1F1F"/>
+                </a:solidFill>
+                <a:effectLst/>
+                <a:latin typeface="ElsevierGulliver"/>
+              </a:rPr>
+              <a:t>. </a:t>
+            </a:r>
+            <a:r>
+              <a:rPr lang="en-US" dirty="0">
+                <a:solidFill>
+                  <a:srgbClr val="1F1F1F"/>
+                </a:solidFill>
+                <a:latin typeface="ElsevierGulliver"/>
+              </a:rPr>
+              <a:t>T</a:t>
+            </a:r>
+            <a:r>
+              <a:rPr lang="en-US" b="0" i="0" dirty="0">
+                <a:solidFill>
+                  <a:srgbClr val="1F1F1F"/>
+                </a:solidFill>
+                <a:effectLst/>
+                <a:latin typeface="ElsevierGulliver"/>
+              </a:rPr>
+              <a:t>he children were then asked to indicate how much punishment they would give to a hypothetical “bad child” and how much reward they would give to a hypothetical “good child” by pressing a buzzer. The duration of the buzzer press indicated how much reward or punishment participants chose to administer to the hypothetical child.  </a:t>
+            </a:r>
+            <a:r>
+              <a:rPr lang="en-US" dirty="0">
+                <a:solidFill>
+                  <a:srgbClr val="1F1F1F"/>
+                </a:solidFill>
+                <a:latin typeface="ElsevierGulliver"/>
+              </a:rPr>
+              <a:t>Longer button presses were given by children after playing the aggressive video game, leading the researchers to conclude that video games cause aggression.</a:t>
+            </a:r>
+            <a:endParaRPr lang="en-US" b="0" i="0" dirty="0">
+              <a:solidFill>
+                <a:srgbClr val="1F1F1F"/>
+              </a:solidFill>
+              <a:effectLst/>
+              <a:latin typeface="ElsevierGulliver"/>
+            </a:endParaRPr>
+          </a:p>
+          <a:p>
+            <a:endParaRPr lang="en-US" dirty="0"/>
           </a:p>
         </p:txBody>
       </p:sp>
     </p:spTree>
+    <p:extLst>
+      <p:ext uri="{BB962C8B-B14F-4D97-AF65-F5344CB8AC3E}">
+        <p14:creationId xmlns:p14="http://schemas.microsoft.com/office/powerpoint/2010/main" val="146427806"/>
+      </p:ext>
+    </p:extLst>
   </p:cSld>
   <p:clrMapOvr>
     <a:masterClrMapping/>
@@ -4026,7 +3992,7 @@
           <p:cNvPr id="2" name="Title 1">
             <a:extLst>
               <a:ext uri="{FF2B5EF4-FFF2-40B4-BE49-F238E27FC236}">
-                <a16:creationId xmlns:a16="http://schemas.microsoft.com/office/drawing/2014/main" id="{7A8030DC-EA71-B86D-77A9-F5A725C243A8}"/>
+                <a16:creationId xmlns:a16="http://schemas.microsoft.com/office/drawing/2014/main" id="{8F0A593F-F8AE-3312-68AA-57DCABCAFA67}"/>
               </a:ext>
             </a:extLst>
           </p:cNvPr>
@@ -4044,7 +4010,7 @@
           <a:p>
             <a:r>
               <a:rPr lang="en-US" dirty="0"/>
-              <a:t>Identifying problems</a:t>
+              <a:t>Challenges with the operational definitions</a:t>
             </a:r>
           </a:p>
         </p:txBody>
@@ -4054,7 +4020,7 @@
           <p:cNvPr id="3" name="Content Placeholder 2">
             <a:extLst>
               <a:ext uri="{FF2B5EF4-FFF2-40B4-BE49-F238E27FC236}">
-                <a16:creationId xmlns:a16="http://schemas.microsoft.com/office/drawing/2014/main" id="{A2ADDEAA-8150-712A-6245-C8B458069970}"/>
+                <a16:creationId xmlns:a16="http://schemas.microsoft.com/office/drawing/2014/main" id="{1D600E67-EB1B-6792-3743-C7765977C35C}"/>
               </a:ext>
             </a:extLst>
           </p:cNvPr>
@@ -4067,47 +4033,119 @@
         </p:nvSpPr>
         <p:spPr/>
         <p:txBody>
-          <a:bodyPr/>
+          <a:bodyPr>
+            <a:normAutofit fontScale="77500" lnSpcReduction="20000"/>
+          </a:bodyPr>
           <a:lstStyle/>
           <a:p>
             <a:r>
               <a:rPr lang="en-US" dirty="0"/>
-              <a:t>“Laughter is the best medicine”</a:t>
+              <a:t>Cooper &amp; Mackie (1986) actually tested boys and girls in pairs, one player and one observer.</a:t>
+            </a:r>
+          </a:p>
+          <a:p>
+            <a:r>
+              <a:rPr lang="en-US" dirty="0"/>
+              <a:t>Free play behaviors coded after video game play was the main DV.</a:t>
+            </a:r>
+          </a:p>
+          <a:p>
+            <a:r>
+              <a:rPr lang="en-US" b="0" i="0" dirty="0">
+                <a:solidFill>
+                  <a:srgbClr val="1F1F1F"/>
+                </a:solidFill>
+                <a:effectLst/>
+                <a:latin typeface="ElsevierGulliver"/>
+              </a:rPr>
+              <a:t>Results indicated that VG type affected only girls’ aggressive free play, with the aggressive VG producing higher levels of aggressive free play. </a:t>
             </a:r>
           </a:p>
           <a:p>
             <a:pPr lvl="1"/>
             <a:r>
-              <a:rPr lang="en-US" dirty="0"/>
-              <a:t>Imagine you have just read an article in the newspaper describing a scientific study in which researchers found that people who laugh a lot tend to have lower blood pressure, stronger immune systems, feel less stressed out.</a:t>
+              <a:rPr lang="en-US" b="0" i="0" dirty="0">
+                <a:solidFill>
+                  <a:srgbClr val="1F1F1F"/>
+                </a:solidFill>
+                <a:effectLst/>
+                <a:latin typeface="ElsevierGulliver"/>
+              </a:rPr>
+              <a:t>Interestingly, the VG did not effect boys’ aggressive free play, and the increased aggression among the girls in the aggressive VG condition resulted in bringing these girls’ level of aggression up to that of the boys. </a:t>
+            </a:r>
+          </a:p>
+          <a:p>
+            <a:r>
+              <a:rPr lang="en-US" b="0" i="0" dirty="0">
+                <a:solidFill>
+                  <a:srgbClr val="1F1F1F"/>
+                </a:solidFill>
+                <a:effectLst/>
+                <a:latin typeface="ElsevierGulliver"/>
+              </a:rPr>
+              <a:t>There was no effect of VG on rewards or punishments given to the hypothetical “good child” or “bad child,” respectively. </a:t>
             </a:r>
           </a:p>
           <a:p>
             <a:pPr lvl="1"/>
-            <a:endParaRPr lang="en-US" dirty="0"/>
-          </a:p>
-          <a:p>
-            <a:r>
-              <a:rPr lang="en-US" dirty="0"/>
-              <a:t>Give an alternate hypothesis</a:t>
-            </a:r>
-          </a:p>
-          <a:p>
-            <a:pPr lvl="1"/>
-            <a:r>
-              <a:rPr lang="en-US" dirty="0"/>
-              <a:t>Statement consistent with the data, not consistent with the conclusion</a:t>
-            </a:r>
-          </a:p>
-          <a:p>
-            <a:pPr lvl="1"/>
-            <a:endParaRPr lang="en-US" dirty="0"/>
-          </a:p>
-          <a:p>
-            <a:r>
-              <a:rPr lang="en-US" dirty="0"/>
-              <a:t>Outline an experiment to test this hypothesis</a:t>
-            </a:r>
+            <a:r>
+              <a:rPr lang="en-US" b="0" i="0" dirty="0">
+                <a:solidFill>
+                  <a:srgbClr val="1F1F1F"/>
+                </a:solidFill>
+                <a:effectLst/>
+                <a:latin typeface="ElsevierGulliver"/>
+              </a:rPr>
+              <a:t>Boys tended to give both more rewards and more punishments. Players, rather than observers, also gave more rewards and punishments; this was the only effect of the player/observer distinction. </a:t>
+            </a:r>
+          </a:p>
+          <a:p>
+            <a:r>
+              <a:rPr lang="en-US" b="0" i="0" dirty="0">
+                <a:solidFill>
+                  <a:srgbClr val="1F1F1F"/>
+                </a:solidFill>
+                <a:effectLst/>
+                <a:latin typeface="ElsevierGulliver"/>
+              </a:rPr>
+              <a:t>Other research studies have designated Pac-man an aggressive game in comparison.</a:t>
+            </a:r>
+          </a:p>
+          <a:p>
+            <a:r>
+              <a:rPr lang="en-US" dirty="0">
+                <a:solidFill>
+                  <a:srgbClr val="1F1F1F"/>
+                </a:solidFill>
+                <a:latin typeface="ElsevierGulliver"/>
+              </a:rPr>
+              <a:t>This research is still cited as one that shows a video game/aggression link</a:t>
+            </a:r>
+            <a:endParaRPr lang="en-US" b="0" i="0" dirty="0">
+              <a:solidFill>
+                <a:srgbClr val="1F1F1F"/>
+              </a:solidFill>
+              <a:effectLst/>
+              <a:latin typeface="ElsevierGulliver"/>
+            </a:endParaRPr>
+          </a:p>
+          <a:p>
+            <a:endParaRPr lang="en-US" b="0" i="0" dirty="0">
+              <a:solidFill>
+                <a:srgbClr val="1F1F1F"/>
+              </a:solidFill>
+              <a:effectLst/>
+              <a:latin typeface="ElsevierGulliver"/>
+            </a:endParaRPr>
+          </a:p>
+          <a:p>
+            <a:endParaRPr lang="en-US" b="0" i="0" dirty="0">
+              <a:solidFill>
+                <a:srgbClr val="1F1F1F"/>
+              </a:solidFill>
+              <a:effectLst/>
+              <a:latin typeface="ElsevierGulliver"/>
+            </a:endParaRPr>
           </a:p>
           <a:p>
             <a:endParaRPr lang="en-US" dirty="0"/>
@@ -4117,7 +4155,7 @@
     </p:spTree>
     <p:extLst>
       <p:ext uri="{BB962C8B-B14F-4D97-AF65-F5344CB8AC3E}">
-        <p14:creationId xmlns:p14="http://schemas.microsoft.com/office/powerpoint/2010/main" val="3626129422"/>
+        <p14:creationId xmlns:p14="http://schemas.microsoft.com/office/powerpoint/2010/main" val="922653732"/>
       </p:ext>
     </p:extLst>
   </p:cSld>
@@ -4149,7 +4187,7 @@
           <p:cNvPr id="2" name="Title 1">
             <a:extLst>
               <a:ext uri="{FF2B5EF4-FFF2-40B4-BE49-F238E27FC236}">
-                <a16:creationId xmlns:a16="http://schemas.microsoft.com/office/drawing/2014/main" id="{D9CFB7AB-4C11-F13A-0C4C-2E663748BED4}"/>
+                <a16:creationId xmlns:a16="http://schemas.microsoft.com/office/drawing/2014/main" id="{7A8030DC-EA71-B86D-77A9-F5A725C243A8}"/>
               </a:ext>
             </a:extLst>
           </p:cNvPr>
@@ -4167,7 +4205,7 @@
           <a:p>
             <a:r>
               <a:rPr lang="en-US" dirty="0"/>
-              <a:t>Experimental control in Experiment 1</a:t>
+              <a:t>Identifying problems</a:t>
             </a:r>
           </a:p>
         </p:txBody>
@@ -4177,7 +4215,7 @@
           <p:cNvPr id="3" name="Content Placeholder 2">
             <a:extLst>
               <a:ext uri="{FF2B5EF4-FFF2-40B4-BE49-F238E27FC236}">
-                <a16:creationId xmlns:a16="http://schemas.microsoft.com/office/drawing/2014/main" id="{8B1F2DF0-C334-70B4-23C5-034F2B3FC3C4}"/>
+                <a16:creationId xmlns:a16="http://schemas.microsoft.com/office/drawing/2014/main" id="{A2ADDEAA-8150-712A-6245-C8B458069970}"/>
               </a:ext>
             </a:extLst>
           </p:cNvPr>
@@ -4193,67 +4231,43 @@
           <a:bodyPr/>
           <a:lstStyle/>
           <a:p>
-            <a:pPr algn="l">
-              <a:buFont typeface="Arial" panose="020B0604020202020204" pitchFamily="34" charset="0"/>
-              <a:buChar char="•"/>
-            </a:pPr>
-            <a:r>
-              <a:rPr lang="en-US" b="0" i="0" dirty="0">
-                <a:solidFill>
-                  <a:srgbClr val="2D3B45"/>
-                </a:solidFill>
-                <a:effectLst/>
-                <a:latin typeface="Lato Extended"/>
-              </a:rPr>
-              <a:t>Why have both groups read the same words?</a:t>
-            </a:r>
-          </a:p>
-          <a:p>
-            <a:pPr algn="l">
-              <a:buFont typeface="Arial" panose="020B0604020202020204" pitchFamily="34" charset="0"/>
-              <a:buChar char="•"/>
-            </a:pPr>
-            <a:r>
-              <a:rPr lang="en-US" b="0" i="0" dirty="0">
-                <a:solidFill>
-                  <a:srgbClr val="2D3B45"/>
-                </a:solidFill>
-                <a:effectLst/>
-                <a:latin typeface="Lato Extended"/>
-              </a:rPr>
-              <a:t>Why have 1-5 scales for responding for both conditions?</a:t>
-            </a:r>
-          </a:p>
-          <a:p>
-            <a:pPr algn="l">
-              <a:buFont typeface="Arial" panose="020B0604020202020204" pitchFamily="34" charset="0"/>
-              <a:buChar char="•"/>
-            </a:pPr>
-            <a:r>
-              <a:rPr lang="en-US" b="0" i="0" dirty="0">
-                <a:solidFill>
-                  <a:srgbClr val="2D3B45"/>
-                </a:solidFill>
-                <a:effectLst/>
-                <a:latin typeface="Lato Extended"/>
-              </a:rPr>
-              <a:t>Why require the word to be on screen for minimum 3 s?</a:t>
-            </a:r>
-          </a:p>
-          <a:p>
-            <a:pPr algn="l">
-              <a:buFont typeface="Arial" panose="020B0604020202020204" pitchFamily="34" charset="0"/>
-              <a:buChar char="•"/>
-            </a:pPr>
-            <a:r>
-              <a:rPr lang="en-US" b="0" i="0" dirty="0">
-                <a:solidFill>
-                  <a:srgbClr val="2D3B45"/>
-                </a:solidFill>
-                <a:effectLst/>
-                <a:latin typeface="Lato Extended"/>
-              </a:rPr>
-              <a:t>Does it matter if the trivia questions use words from the study list?</a:t>
+            <a:r>
+              <a:rPr lang="en-US" dirty="0"/>
+              <a:t>“Laughter is the best medicine”</a:t>
+            </a:r>
+          </a:p>
+          <a:p>
+            <a:pPr lvl="1"/>
+            <a:r>
+              <a:rPr lang="en-US" dirty="0"/>
+              <a:t>Imagine you have just read an article in the newspaper describing a scientific study in which researchers found that people who laugh a lot tend to have lower blood pressure, stronger immune systems, feel less stressed out.</a:t>
+            </a:r>
+          </a:p>
+          <a:p>
+            <a:pPr lvl="1"/>
+            <a:endParaRPr lang="en-US" dirty="0"/>
+          </a:p>
+          <a:p>
+            <a:r>
+              <a:rPr lang="en-US" dirty="0"/>
+              <a:t>Give an alternate hypothesis</a:t>
+            </a:r>
+          </a:p>
+          <a:p>
+            <a:pPr lvl="1"/>
+            <a:r>
+              <a:rPr lang="en-US" dirty="0"/>
+              <a:t>Statement consistent with the data, not consistent with the conclusion</a:t>
+            </a:r>
+          </a:p>
+          <a:p>
+            <a:pPr lvl="1"/>
+            <a:endParaRPr lang="en-US" dirty="0"/>
+          </a:p>
+          <a:p>
+            <a:r>
+              <a:rPr lang="en-US" dirty="0"/>
+              <a:t>Outline an experiment to test this hypothesis</a:t>
             </a:r>
           </a:p>
           <a:p>
@@ -4264,7 +4278,7 @@
     </p:spTree>
     <p:extLst>
       <p:ext uri="{BB962C8B-B14F-4D97-AF65-F5344CB8AC3E}">
-        <p14:creationId xmlns:p14="http://schemas.microsoft.com/office/powerpoint/2010/main" val="1883011448"/>
+        <p14:creationId xmlns:p14="http://schemas.microsoft.com/office/powerpoint/2010/main" val="3626129422"/>
       </p:ext>
     </p:extLst>
   </p:cSld>
@@ -4296,7 +4310,7 @@
           <p:cNvPr id="2" name="Title 1">
             <a:extLst>
               <a:ext uri="{FF2B5EF4-FFF2-40B4-BE49-F238E27FC236}">
-                <a16:creationId xmlns:a16="http://schemas.microsoft.com/office/drawing/2014/main" id="{F254816E-BAB2-A1CF-B404-70199EFFC083}"/>
+                <a16:creationId xmlns:a16="http://schemas.microsoft.com/office/drawing/2014/main" id="{D9CFB7AB-4C11-F13A-0C4C-2E663748BED4}"/>
               </a:ext>
             </a:extLst>
           </p:cNvPr>
@@ -4314,7 +4328,7 @@
           <a:p>
             <a:r>
               <a:rPr lang="en-US" dirty="0"/>
-              <a:t>Extraneous variable sources</a:t>
+              <a:t>Experimental control in Experiment 1</a:t>
             </a:r>
           </a:p>
         </p:txBody>
@@ -4324,7 +4338,7 @@
           <p:cNvPr id="3" name="Content Placeholder 2">
             <a:extLst>
               <a:ext uri="{FF2B5EF4-FFF2-40B4-BE49-F238E27FC236}">
-                <a16:creationId xmlns:a16="http://schemas.microsoft.com/office/drawing/2014/main" id="{EB15278F-3782-B2B6-FB0A-9AD8F79052C9}"/>
+                <a16:creationId xmlns:a16="http://schemas.microsoft.com/office/drawing/2014/main" id="{8B1F2DF0-C334-70B4-23C5-034F2B3FC3C4}"/>
               </a:ext>
             </a:extLst>
           </p:cNvPr>
@@ -4340,57 +4354,78 @@
           <a:bodyPr/>
           <a:lstStyle/>
           <a:p>
-            <a:r>
-              <a:rPr lang="en-US" dirty="0"/>
-              <a:t>Stimuli</a:t>
-            </a:r>
-          </a:p>
-          <a:p>
-            <a:pPr lvl="1"/>
-            <a:r>
-              <a:rPr lang="en-US" dirty="0"/>
-              <a:t>Words, pictures, videos, auditory input</a:t>
-            </a:r>
-          </a:p>
-          <a:p>
-            <a:r>
-              <a:rPr lang="en-US" dirty="0"/>
-              <a:t>Context</a:t>
-            </a:r>
-          </a:p>
-          <a:p>
-            <a:pPr lvl="1"/>
-            <a:r>
-              <a:rPr lang="en-US" dirty="0"/>
-              <a:t>Room environment, time of day, experimenters</a:t>
-            </a:r>
-          </a:p>
-          <a:p>
-            <a:pPr lvl="1"/>
-            <a:r>
-              <a:rPr lang="en-US" dirty="0"/>
-              <a:t>Ambient noise, interruptions</a:t>
-            </a:r>
-          </a:p>
-          <a:p>
-            <a:r>
-              <a:rPr lang="en-US" dirty="0"/>
-              <a:t>Participants</a:t>
-            </a:r>
-          </a:p>
-          <a:p>
-            <a:pPr lvl="1"/>
-            <a:r>
-              <a:rPr lang="en-US" dirty="0"/>
-              <a:t>Mood, interest, motivation, individual differences</a:t>
-            </a:r>
+            <a:pPr algn="l">
+              <a:buFont typeface="Arial" panose="020B0604020202020204" pitchFamily="34" charset="0"/>
+              <a:buChar char="•"/>
+            </a:pPr>
+            <a:r>
+              <a:rPr lang="en-US" b="0" i="0" dirty="0">
+                <a:solidFill>
+                  <a:srgbClr val="2D3B45"/>
+                </a:solidFill>
+                <a:effectLst/>
+                <a:latin typeface="Lato Extended"/>
+              </a:rPr>
+              <a:t>Why have both groups read the same words?</a:t>
+            </a:r>
+          </a:p>
+          <a:p>
+            <a:pPr algn="l">
+              <a:buFont typeface="Arial" panose="020B0604020202020204" pitchFamily="34" charset="0"/>
+              <a:buChar char="•"/>
+            </a:pPr>
+            <a:r>
+              <a:rPr lang="en-US" b="0" i="0" dirty="0">
+                <a:solidFill>
+                  <a:srgbClr val="2D3B45"/>
+                </a:solidFill>
+                <a:effectLst/>
+                <a:latin typeface="Lato Extended"/>
+              </a:rPr>
+              <a:t>Why have 1-5 scales for responding for both conditions?</a:t>
+            </a:r>
+          </a:p>
+          <a:p>
+            <a:pPr algn="l">
+              <a:buFont typeface="Arial" panose="020B0604020202020204" pitchFamily="34" charset="0"/>
+              <a:buChar char="•"/>
+            </a:pPr>
+            <a:r>
+              <a:rPr lang="en-US" b="0" i="0" dirty="0">
+                <a:solidFill>
+                  <a:srgbClr val="2D3B45"/>
+                </a:solidFill>
+                <a:effectLst/>
+                <a:latin typeface="Lato Extended"/>
+              </a:rPr>
+              <a:t>Why require the word to be on screen for minimum 3 s?</a:t>
+            </a:r>
+          </a:p>
+          <a:p>
+            <a:pPr algn="l">
+              <a:buFont typeface="Arial" panose="020B0604020202020204" pitchFamily="34" charset="0"/>
+              <a:buChar char="•"/>
+            </a:pPr>
+            <a:r>
+              <a:rPr lang="en-US" b="0" i="0" dirty="0">
+                <a:solidFill>
+                  <a:srgbClr val="2D3B45"/>
+                </a:solidFill>
+                <a:effectLst/>
+                <a:latin typeface="Lato Extended"/>
+              </a:rPr>
+              <a:t>Does it matter if the trivia questions use words from the study list?</a:t>
+            </a:r>
+          </a:p>
+          <a:p>
+            <a:endParaRPr lang="en-US" dirty="0"/>
           </a:p>
         </p:txBody>
       </p:sp>
     </p:spTree>
     <p:extLst>
       <p:ext uri="{BB962C8B-B14F-4D97-AF65-F5344CB8AC3E}">
-        <p14:creationId xmlns:p14="http://schemas.microsoft.com/office/powerpoint/2010/main" val="3220967742"/>
+        <p14:creationId xmlns:p14="http://schemas.microsoft.com/office/powerpoint/2010/main" val="1883011448"/>
       </p:ext>
     </p:extLst>
   </p:cSld>
@@ -4422,7 +4457,7 @@
           <p:cNvPr id="2" name="Title 1">
             <a:extLst>
               <a:ext uri="{FF2B5EF4-FFF2-40B4-BE49-F238E27FC236}">
-                <a16:creationId xmlns:a16="http://schemas.microsoft.com/office/drawing/2014/main" id="{CEFE5B2C-00B4-2759-82C7-FAFD98285C8A}"/>
+                <a16:creationId xmlns:a16="http://schemas.microsoft.com/office/drawing/2014/main" id="{F254816E-BAB2-A1CF-B404-70199EFFC083}"/>
               </a:ext>
             </a:extLst>
           </p:cNvPr>
@@ -4440,7 +4475,7 @@
           <a:p>
             <a:r>
               <a:rPr lang="en-US" dirty="0"/>
-              <a:t>Confounds</a:t>
+              <a:t>Extraneous variable sources</a:t>
             </a:r>
           </a:p>
         </p:txBody>
@@ -4450,7 +4485,7 @@
           <p:cNvPr id="3" name="Content Placeholder 2">
             <a:extLst>
               <a:ext uri="{FF2B5EF4-FFF2-40B4-BE49-F238E27FC236}">
-                <a16:creationId xmlns:a16="http://schemas.microsoft.com/office/drawing/2014/main" id="{AA950B29-2333-6755-4C54-2490FF448BF0}"/>
+                <a16:creationId xmlns:a16="http://schemas.microsoft.com/office/drawing/2014/main" id="{EB15278F-3782-B2B6-FB0A-9AD8F79052C9}"/>
               </a:ext>
             </a:extLst>
           </p:cNvPr>
@@ -4468,44 +4503,47 @@
           <a:p>
             <a:r>
               <a:rPr lang="en-US" dirty="0"/>
-              <a:t>Vary with the IV, create Type 1 error</a:t>
+              <a:t>Stimuli</a:t>
             </a:r>
           </a:p>
           <a:p>
             <a:pPr lvl="1"/>
             <a:r>
               <a:rPr lang="en-US" dirty="0"/>
-              <a:t>Very difficult problem for non-experimental work</a:t>
+              <a:t>Words, pictures, videos, auditory input</a:t>
+            </a:r>
+          </a:p>
+          <a:p>
+            <a:r>
+              <a:rPr lang="en-US" dirty="0"/>
+              <a:t>Context</a:t>
             </a:r>
           </a:p>
           <a:p>
             <a:pPr lvl="1"/>
             <a:r>
               <a:rPr lang="en-US" dirty="0"/>
-              <a:t>Should not occur in experimental work done carefully</a:t>
-            </a:r>
-          </a:p>
-          <a:p>
-            <a:endParaRPr lang="en-US" dirty="0"/>
-          </a:p>
-          <a:p>
+              <a:t>Room environment, time of day, experimenters</a:t>
+            </a:r>
+          </a:p>
+          <a:p>
+            <a:pPr lvl="1"/>
             <a:r>
               <a:rPr lang="en-US" dirty="0"/>
-              <a:t>Non-confounding variables increase variance, Type 2 error</a:t>
+              <a:t>Ambient noise, interruptions</a:t>
+            </a:r>
+          </a:p>
+          <a:p>
+            <a:r>
+              <a:rPr lang="en-US" dirty="0"/>
+              <a:t>Participants</a:t>
             </a:r>
           </a:p>
           <a:p>
             <a:pPr lvl="1"/>
             <a:r>
               <a:rPr lang="en-US" dirty="0"/>
-              <a:t>Carefully planned, rigorous procedure</a:t>
-            </a:r>
-          </a:p>
-          <a:p>
-            <a:pPr lvl="1"/>
-            <a:r>
-              <a:rPr lang="en-US" dirty="0"/>
-              <a:t>There will always be some measurement error</a:t>
+              <a:t>Mood, interest, motivation, individual differences</a:t>
             </a:r>
           </a:p>
         </p:txBody>
@@ -4513,7 +4551,7 @@
     </p:spTree>
     <p:extLst>
       <p:ext uri="{BB962C8B-B14F-4D97-AF65-F5344CB8AC3E}">
-        <p14:creationId xmlns:p14="http://schemas.microsoft.com/office/powerpoint/2010/main" val="1580942573"/>
+        <p14:creationId xmlns:p14="http://schemas.microsoft.com/office/powerpoint/2010/main" val="3220967742"/>
       </p:ext>
     </p:extLst>
   </p:cSld>
@@ -4545,7 +4583,7 @@
           <p:cNvPr id="2" name="Title 1">
             <a:extLst>
               <a:ext uri="{FF2B5EF4-FFF2-40B4-BE49-F238E27FC236}">
-                <a16:creationId xmlns:a16="http://schemas.microsoft.com/office/drawing/2014/main" id="{4AEE624C-E812-BCB3-A4CC-A0AF2481A384}"/>
+                <a16:creationId xmlns:a16="http://schemas.microsoft.com/office/drawing/2014/main" id="{CEFE5B2C-00B4-2759-82C7-FAFD98285C8A}"/>
               </a:ext>
             </a:extLst>
           </p:cNvPr>
@@ -4561,7 +4599,10 @@
           <a:bodyPr/>
           <a:lstStyle/>
           <a:p>
-            <a:endParaRPr lang="en-US"/>
+            <a:r>
+              <a:rPr lang="en-US" dirty="0"/>
+              <a:t>Confounds</a:t>
+            </a:r>
           </a:p>
         </p:txBody>
       </p:sp>
@@ -4570,7 +4611,7 @@
           <p:cNvPr id="3" name="Content Placeholder 2">
             <a:extLst>
               <a:ext uri="{FF2B5EF4-FFF2-40B4-BE49-F238E27FC236}">
-                <a16:creationId xmlns:a16="http://schemas.microsoft.com/office/drawing/2014/main" id="{86B8AADF-6F9C-01BF-A95B-8EE1BCA4F9C9}"/>
+                <a16:creationId xmlns:a16="http://schemas.microsoft.com/office/drawing/2014/main" id="{AA950B29-2333-6755-4C54-2490FF448BF0}"/>
               </a:ext>
             </a:extLst>
           </p:cNvPr>
@@ -4588,20 +4629,44 @@
           <a:p>
             <a:r>
               <a:rPr lang="en-US" dirty="0"/>
-              <a:t>People walking in late</a:t>
+              <a:t>Vary with the IV, create Type 1 error</a:t>
             </a:r>
           </a:p>
           <a:p>
             <a:pPr lvl="1"/>
             <a:r>
               <a:rPr lang="en-US" dirty="0"/>
-              <a:t>More late arrivers in 11am class than 10am</a:t>
-            </a:r>
-          </a:p>
-          <a:p>
+              <a:t>Very difficult problem for non-experimental work</a:t>
+            </a:r>
+          </a:p>
+          <a:p>
+            <a:pPr lvl="1"/>
             <a:r>
               <a:rPr lang="en-US" dirty="0"/>
-              <a:t>All deep encoding at 10am, all shallow encoding at 11am</a:t>
+              <a:t>Should not occur in experimental work done carefully</a:t>
+            </a:r>
+          </a:p>
+          <a:p>
+            <a:endParaRPr lang="en-US" dirty="0"/>
+          </a:p>
+          <a:p>
+            <a:r>
+              <a:rPr lang="en-US" dirty="0"/>
+              <a:t>Non-confounding variables increase variance, Type 2 error</a:t>
+            </a:r>
+          </a:p>
+          <a:p>
+            <a:pPr lvl="1"/>
+            <a:r>
+              <a:rPr lang="en-US" dirty="0"/>
+              <a:t>Carefully planned, rigorous procedure</a:t>
+            </a:r>
+          </a:p>
+          <a:p>
+            <a:pPr lvl="1"/>
+            <a:r>
+              <a:rPr lang="en-US" dirty="0"/>
+              <a:t>There will always be some measurement error</a:t>
             </a:r>
           </a:p>
         </p:txBody>
@@ -4609,7 +4674,7 @@
     </p:spTree>
     <p:extLst>
       <p:ext uri="{BB962C8B-B14F-4D97-AF65-F5344CB8AC3E}">
-        <p14:creationId xmlns:p14="http://schemas.microsoft.com/office/powerpoint/2010/main" val="3887192769"/>
+        <p14:creationId xmlns:p14="http://schemas.microsoft.com/office/powerpoint/2010/main" val="1580942573"/>
       </p:ext>
     </p:extLst>
   </p:cSld>
